--- a/coursework submission/editables/final presentation.pptx
+++ b/coursework submission/editables/final presentation.pptx
@@ -527,7 +527,7 @@
           <a:p>
             <a:fld id="{35C2273A-AEE5-40EB-9C6C-1A8FFDB15535}" type="datetimeFigureOut">
               <a:rPr lang="en-GB" smtClean="0"/>
-              <a:t>06/05/2024</a:t>
+              <a:t>07/05/2024</a:t>
             </a:fld>
             <a:endParaRPr lang="en-GB"/>
           </a:p>
@@ -706,7 +706,7 @@
           <a:p>
             <a:fld id="{35C2273A-AEE5-40EB-9C6C-1A8FFDB15535}" type="datetimeFigureOut">
               <a:rPr lang="en-GB" smtClean="0"/>
-              <a:t>06/05/2024</a:t>
+              <a:t>07/05/2024</a:t>
             </a:fld>
             <a:endParaRPr lang="en-GB"/>
           </a:p>
@@ -886,7 +886,7 @@
           <a:p>
             <a:fld id="{35C2273A-AEE5-40EB-9C6C-1A8FFDB15535}" type="datetimeFigureOut">
               <a:rPr lang="en-GB" smtClean="0"/>
-              <a:t>06/05/2024</a:t>
+              <a:t>07/05/2024</a:t>
             </a:fld>
             <a:endParaRPr lang="en-GB"/>
           </a:p>
@@ -1056,7 +1056,7 @@
           <a:p>
             <a:fld id="{35C2273A-AEE5-40EB-9C6C-1A8FFDB15535}" type="datetimeFigureOut">
               <a:rPr lang="en-GB" smtClean="0"/>
-              <a:t>06/05/2024</a:t>
+              <a:t>07/05/2024</a:t>
             </a:fld>
             <a:endParaRPr lang="en-GB"/>
           </a:p>
@@ -1369,7 +1369,7 @@
           <a:p>
             <a:fld id="{35C2273A-AEE5-40EB-9C6C-1A8FFDB15535}" type="datetimeFigureOut">
               <a:rPr lang="en-GB" smtClean="0"/>
-              <a:t>06/05/2024</a:t>
+              <a:t>07/05/2024</a:t>
             </a:fld>
             <a:endParaRPr lang="en-GB"/>
           </a:p>
@@ -1755,7 +1755,7 @@
           <a:p>
             <a:fld id="{35C2273A-AEE5-40EB-9C6C-1A8FFDB15535}" type="datetimeFigureOut">
               <a:rPr lang="en-GB" smtClean="0"/>
-              <a:t>06/05/2024</a:t>
+              <a:t>07/05/2024</a:t>
             </a:fld>
             <a:endParaRPr lang="en-GB"/>
           </a:p>
@@ -2189,7 +2189,7 @@
           <a:p>
             <a:fld id="{35C2273A-AEE5-40EB-9C6C-1A8FFDB15535}" type="datetimeFigureOut">
               <a:rPr lang="en-GB" smtClean="0"/>
-              <a:t>06/05/2024</a:t>
+              <a:t>07/05/2024</a:t>
             </a:fld>
             <a:endParaRPr lang="en-GB"/>
           </a:p>
@@ -2307,7 +2307,7 @@
           <a:p>
             <a:fld id="{35C2273A-AEE5-40EB-9C6C-1A8FFDB15535}" type="datetimeFigureOut">
               <a:rPr lang="en-GB" smtClean="0"/>
-              <a:t>06/05/2024</a:t>
+              <a:t>07/05/2024</a:t>
             </a:fld>
             <a:endParaRPr lang="en-GB"/>
           </a:p>
@@ -2402,7 +2402,7 @@
           <a:p>
             <a:fld id="{35C2273A-AEE5-40EB-9C6C-1A8FFDB15535}" type="datetimeFigureOut">
               <a:rPr lang="en-GB" smtClean="0"/>
-              <a:t>06/05/2024</a:t>
+              <a:t>07/05/2024</a:t>
             </a:fld>
             <a:endParaRPr lang="en-GB"/>
           </a:p>
@@ -2752,7 +2752,7 @@
           <a:p>
             <a:fld id="{35C2273A-AEE5-40EB-9C6C-1A8FFDB15535}" type="datetimeFigureOut">
               <a:rPr lang="en-GB" smtClean="0"/>
-              <a:t>06/05/2024</a:t>
+              <a:t>07/05/2024</a:t>
             </a:fld>
             <a:endParaRPr lang="en-GB"/>
           </a:p>
@@ -3177,7 +3177,7 @@
           <a:p>
             <a:fld id="{35C2273A-AEE5-40EB-9C6C-1A8FFDB15535}" type="datetimeFigureOut">
               <a:rPr lang="en-GB" smtClean="0"/>
-              <a:t>06/05/2024</a:t>
+              <a:t>07/05/2024</a:t>
             </a:fld>
             <a:endParaRPr lang="en-GB"/>
           </a:p>
@@ -3458,7 +3458,7 @@
           <a:p>
             <a:fld id="{35C2273A-AEE5-40EB-9C6C-1A8FFDB15535}" type="datetimeFigureOut">
               <a:rPr lang="en-GB" smtClean="0"/>
-              <a:t>06/05/2024</a:t>
+              <a:t>07/05/2024</a:t>
             </a:fld>
             <a:endParaRPr lang="en-GB"/>
           </a:p>
@@ -5446,7 +5446,14 @@
             <a:pPr lvl="1"/>
             <a:r>
               <a:rPr lang="en-US" dirty="0"/>
-              <a:t>I would have liked to include more learning practices such as encouraging touch typing, the fastest typing method, by using an onscreen keyboard or a guide. </a:t>
+              <a:t>I would like to be able to grab words/paragraphs from </a:t>
+            </a:r>
+          </a:p>
+          <a:p>
+            <a:pPr lvl="1"/>
+            <a:r>
+              <a:rPr lang="en-US" dirty="0"/>
+              <a:t>I would have liked to include more learning practices such as encouraging touch typing, the fastest typing method, by using an onscreen keyboard or/and a guide. </a:t>
             </a:r>
           </a:p>
         </p:txBody>
@@ -5844,7 +5851,7 @@
           <a:p>
             <a:r>
               <a:rPr lang="en-GB" dirty="0"/>
-              <a:t>Show prototype </a:t>
+              <a:t>Show FINAL VERSION</a:t>
             </a:r>
             <a:r>
               <a:rPr lang="en-GB" dirty="0">
@@ -5874,14 +5881,17 @@
         </p:nvSpPr>
         <p:spPr>
           <a:xfrm>
-            <a:off x="1066800" y="2093976"/>
-            <a:ext cx="10058400" cy="4050792"/>
+            <a:off x="1155291" y="105893"/>
+            <a:ext cx="10058400" cy="2330541"/>
           </a:xfrm>
         </p:spPr>
         <p:txBody>
           <a:bodyPr/>
           <a:lstStyle/>
           <a:p>
+            <a:pPr marL="0" indent="0">
+              <a:buNone/>
+            </a:pPr>
             <a:endParaRPr lang="en-GB" dirty="0"/>
           </a:p>
         </p:txBody>
@@ -6292,8 +6302,8 @@
         </p:blipFill>
         <p:spPr>
           <a:xfrm>
-            <a:off x="6768846" y="93335"/>
-            <a:ext cx="4438650" cy="3650790"/>
+            <a:off x="6147131" y="38081"/>
+            <a:ext cx="4996750" cy="3747017"/>
           </a:xfrm>
           <a:prstGeom prst="rect">
             <a:avLst/>
@@ -6526,8 +6536,8 @@
         </p:blipFill>
         <p:spPr bwMode="auto">
           <a:xfrm>
-            <a:off x="559649" y="154837"/>
-            <a:ext cx="5879251" cy="3645136"/>
+            <a:off x="512988" y="235520"/>
+            <a:ext cx="5583012" cy="3461468"/>
           </a:xfrm>
           <a:prstGeom prst="rect">
             <a:avLst/>
@@ -9437,19 +9447,19 @@
         </p:nvSpPr>
         <p:spPr>
           <a:xfrm>
-            <a:off x="528555" y="205209"/>
+            <a:off x="566572" y="156245"/>
             <a:ext cx="10058400" cy="1609344"/>
           </a:xfrm>
         </p:spPr>
         <p:txBody>
           <a:bodyPr>
-            <a:normAutofit/>
+            <a:normAutofit fontScale="90000"/>
           </a:bodyPr>
           <a:lstStyle/>
           <a:p>
             <a:r>
-              <a:rPr lang="en-US" dirty="0"/>
-              <a:t>sprints</a:t>
+              <a:rPr lang="en-US" sz="4900" dirty="0"/>
+              <a:t>completion USER STORIES COMPARED TO SPRINTS </a:t>
             </a:r>
             <a:br>
               <a:rPr lang="en-US" dirty="0"/>

--- a/coursework submission/editables/final presentation.pptx
+++ b/coursework submission/editables/final presentation.pptx
@@ -5400,19 +5400,19 @@
         </p:nvSpPr>
         <p:spPr>
           <a:xfrm>
-            <a:off x="382279" y="2121408"/>
-            <a:ext cx="6743845" cy="4050792"/>
+            <a:off x="382279" y="1722613"/>
+            <a:ext cx="6743845" cy="4935076"/>
           </a:xfrm>
         </p:spPr>
         <p:txBody>
           <a:bodyPr>
-            <a:normAutofit/>
+            <a:normAutofit fontScale="92500" lnSpcReduction="10000"/>
           </a:bodyPr>
           <a:lstStyle/>
           <a:p>
             <a:r>
               <a:rPr lang="en-US" sz="1800" dirty="0"/>
-              <a:t>Overall, am proud of this project having learnt a lot</a:t>
+              <a:t>Overall, am proud of this project creating a rather well-rounded result, having learnt a lot about development lifecycle of a project and the coding languages I’ve used.</a:t>
             </a:r>
           </a:p>
           <a:p>
@@ -5446,14 +5446,28 @@
             <a:pPr lvl="1"/>
             <a:r>
               <a:rPr lang="en-US" dirty="0"/>
-              <a:t>I would like to be able to grab words/paragraphs from </a:t>
+              <a:t>I would like to be able to grab words/paragraphs from the internet instead of from a crafted list</a:t>
             </a:r>
           </a:p>
           <a:p>
             <a:pPr lvl="1"/>
             <a:r>
               <a:rPr lang="en-US" dirty="0"/>
-              <a:t>I would have liked to include more learning practices such as encouraging touch typing, the fastest typing method, by using an onscreen keyboard or/and a guide. </a:t>
+              <a:t>I would like to allow users to stay logged in after refreshing page</a:t>
+            </a:r>
+          </a:p>
+          <a:p>
+            <a:pPr lvl="1"/>
+            <a:r>
+              <a:rPr lang="en-US" dirty="0"/>
+              <a:t>I would have liked to include more learning practices such as encouraging touch typing, the fastest typing method, by using an onscreen keyboard or/and a guide</a:t>
+            </a:r>
+          </a:p>
+          <a:p>
+            <a:pPr lvl="1"/>
+            <a:r>
+              <a:rPr lang="en-US" dirty="0"/>
+              <a:t>Given now I have more experience, I would like to do a more advanced project.</a:t>
             </a:r>
           </a:p>
         </p:txBody>
